--- a/docs/TomatoHakathon_Validation.pptx
+++ b/docs/TomatoHakathon_Validation.pptx
@@ -111,6 +111,11 @@
       </a:defRPr>
     </a:lvl9pPr>
   </p:defaultTextStyle>
+  <p:extLst>
+    <p:ext uri="{EFAFB233-063F-42B5-8137-9DF3F51BA10A}">
+      <p15:sldGuideLst xmlns:p15="http://schemas.microsoft.com/office/powerpoint/2012/main"/>
+    </p:ext>
+  </p:extLst>
 </p:presentation>
 </file>
 
@@ -148,6 +153,46 @@
       </pc:sldChg>
     </pc:docChg>
   </pc:docChgLst>
+  <pc:docChgLst>
+    <pc:chgData name="Rebecca Lowdon" userId="02b72194-f4a0-4edf-922a-d5aff459d5d3" providerId="ADAL" clId="{99DC3D99-B6F7-2A41-9D7C-848DD8DF9D4E}"/>
+    <pc:docChg chg="modSld">
+      <pc:chgData name="Rebecca Lowdon" userId="02b72194-f4a0-4edf-922a-d5aff459d5d3" providerId="ADAL" clId="{99DC3D99-B6F7-2A41-9D7C-848DD8DF9D4E}" dt="2021-10-13T15:50:48.426" v="3" actId="1076"/>
+      <pc:docMkLst>
+        <pc:docMk/>
+      </pc:docMkLst>
+      <pc:sldChg chg="modSp mod">
+        <pc:chgData name="Rebecca Lowdon" userId="02b72194-f4a0-4edf-922a-d5aff459d5d3" providerId="ADAL" clId="{99DC3D99-B6F7-2A41-9D7C-848DD8DF9D4E}" dt="2021-10-13T15:50:48.426" v="3" actId="1076"/>
+        <pc:sldMkLst>
+          <pc:docMk/>
+          <pc:sldMk cId="220834227" sldId="4205"/>
+        </pc:sldMkLst>
+        <pc:spChg chg="mod">
+          <ac:chgData name="Rebecca Lowdon" userId="02b72194-f4a0-4edf-922a-d5aff459d5d3" providerId="ADAL" clId="{99DC3D99-B6F7-2A41-9D7C-848DD8DF9D4E}" dt="2021-10-13T15:50:41.128" v="0" actId="1076"/>
+          <ac:spMkLst>
+            <pc:docMk/>
+            <pc:sldMk cId="220834227" sldId="4205"/>
+            <ac:spMk id="3" creationId="{E09B165B-5135-4E04-A78B-E76F73320D5D}"/>
+          </ac:spMkLst>
+        </pc:spChg>
+        <pc:spChg chg="mod">
+          <ac:chgData name="Rebecca Lowdon" userId="02b72194-f4a0-4edf-922a-d5aff459d5d3" providerId="ADAL" clId="{99DC3D99-B6F7-2A41-9D7C-848DD8DF9D4E}" dt="2021-10-13T15:50:48.426" v="3" actId="1076"/>
+          <ac:spMkLst>
+            <pc:docMk/>
+            <pc:sldMk cId="220834227" sldId="4205"/>
+            <ac:spMk id="5" creationId="{9EBFCEEA-E729-43D0-8ED4-B79816DC3C8C}"/>
+          </ac:spMkLst>
+        </pc:spChg>
+        <pc:picChg chg="mod">
+          <ac:chgData name="Rebecca Lowdon" userId="02b72194-f4a0-4edf-922a-d5aff459d5d3" providerId="ADAL" clId="{99DC3D99-B6F7-2A41-9D7C-848DD8DF9D4E}" dt="2021-10-13T15:50:45.355" v="2" actId="1076"/>
+          <ac:picMkLst>
+            <pc:docMk/>
+            <pc:sldMk cId="220834227" sldId="4205"/>
+            <ac:picMk id="4" creationId="{982DECDD-3FBA-48AA-8503-A02EB0800DB0}"/>
+          </ac:picMkLst>
+        </pc:picChg>
+      </pc:sldChg>
+    </pc:docChg>
+  </pc:docChgLst>
 </pc:chgInfo>
 </file>
 
@@ -233,7 +278,7 @@
           <a:p>
             <a:fld id="{F93E8A08-4498-406A-87DF-C4D77B7030B3}" type="datetimeFigureOut">
               <a:rPr lang="en-US" smtClean="0"/>
-              <a:t>10/12/2021</a:t>
+              <a:t>10/13/21</a:t>
             </a:fld>
             <a:endParaRPr lang="en-US"/>
           </a:p>
@@ -647,7 +692,7 @@
           <a:p>
             <a:fld id="{134E736C-1B7C-4AB1-8209-B3AE3A3A7A08}" type="datetimeFigureOut">
               <a:rPr lang="en-US" smtClean="0"/>
-              <a:t>10/12/2021</a:t>
+              <a:t>10/13/21</a:t>
             </a:fld>
             <a:endParaRPr lang="en-US"/>
           </a:p>
@@ -845,7 +890,7 @@
           <a:p>
             <a:fld id="{134E736C-1B7C-4AB1-8209-B3AE3A3A7A08}" type="datetimeFigureOut">
               <a:rPr lang="en-US" smtClean="0"/>
-              <a:t>10/12/2021</a:t>
+              <a:t>10/13/21</a:t>
             </a:fld>
             <a:endParaRPr lang="en-US"/>
           </a:p>
@@ -1053,7 +1098,7 @@
           <a:p>
             <a:fld id="{134E736C-1B7C-4AB1-8209-B3AE3A3A7A08}" type="datetimeFigureOut">
               <a:rPr lang="en-US" smtClean="0"/>
-              <a:t>10/12/2021</a:t>
+              <a:t>10/13/21</a:t>
             </a:fld>
             <a:endParaRPr lang="en-US"/>
           </a:p>
@@ -1251,7 +1296,7 @@
           <a:p>
             <a:fld id="{134E736C-1B7C-4AB1-8209-B3AE3A3A7A08}" type="datetimeFigureOut">
               <a:rPr lang="en-US" smtClean="0"/>
-              <a:t>10/12/2021</a:t>
+              <a:t>10/13/21</a:t>
             </a:fld>
             <a:endParaRPr lang="en-US"/>
           </a:p>
@@ -1526,7 +1571,7 @@
           <a:p>
             <a:fld id="{134E736C-1B7C-4AB1-8209-B3AE3A3A7A08}" type="datetimeFigureOut">
               <a:rPr lang="en-US" smtClean="0"/>
-              <a:t>10/12/2021</a:t>
+              <a:t>10/13/21</a:t>
             </a:fld>
             <a:endParaRPr lang="en-US"/>
           </a:p>
@@ -1791,7 +1836,7 @@
           <a:p>
             <a:fld id="{134E736C-1B7C-4AB1-8209-B3AE3A3A7A08}" type="datetimeFigureOut">
               <a:rPr lang="en-US" smtClean="0"/>
-              <a:t>10/12/2021</a:t>
+              <a:t>10/13/21</a:t>
             </a:fld>
             <a:endParaRPr lang="en-US"/>
           </a:p>
@@ -2203,7 +2248,7 @@
           <a:p>
             <a:fld id="{134E736C-1B7C-4AB1-8209-B3AE3A3A7A08}" type="datetimeFigureOut">
               <a:rPr lang="en-US" smtClean="0"/>
-              <a:t>10/12/2021</a:t>
+              <a:t>10/13/21</a:t>
             </a:fld>
             <a:endParaRPr lang="en-US"/>
           </a:p>
@@ -2344,7 +2389,7 @@
           <a:p>
             <a:fld id="{134E736C-1B7C-4AB1-8209-B3AE3A3A7A08}" type="datetimeFigureOut">
               <a:rPr lang="en-US" smtClean="0"/>
-              <a:t>10/12/2021</a:t>
+              <a:t>10/13/21</a:t>
             </a:fld>
             <a:endParaRPr lang="en-US"/>
           </a:p>
@@ -2457,7 +2502,7 @@
           <a:p>
             <a:fld id="{134E736C-1B7C-4AB1-8209-B3AE3A3A7A08}" type="datetimeFigureOut">
               <a:rPr lang="en-US" smtClean="0"/>
-              <a:t>10/12/2021</a:t>
+              <a:t>10/13/21</a:t>
             </a:fld>
             <a:endParaRPr lang="en-US"/>
           </a:p>
@@ -2768,7 +2813,7 @@
           <a:p>
             <a:fld id="{134E736C-1B7C-4AB1-8209-B3AE3A3A7A08}" type="datetimeFigureOut">
               <a:rPr lang="en-US" smtClean="0"/>
-              <a:t>10/12/2021</a:t>
+              <a:t>10/13/21</a:t>
             </a:fld>
             <a:endParaRPr lang="en-US"/>
           </a:p>
@@ -3056,7 +3101,7 @@
           <a:p>
             <a:fld id="{134E736C-1B7C-4AB1-8209-B3AE3A3A7A08}" type="datetimeFigureOut">
               <a:rPr lang="en-US" smtClean="0"/>
-              <a:t>10/12/2021</a:t>
+              <a:t>10/13/21</a:t>
             </a:fld>
             <a:endParaRPr lang="en-US"/>
           </a:p>
@@ -3297,7 +3342,7 @@
           <a:p>
             <a:fld id="{134E736C-1B7C-4AB1-8209-B3AE3A3A7A08}" type="datetimeFigureOut">
               <a:rPr lang="en-US" smtClean="0"/>
-              <a:t>10/12/2021</a:t>
+              <a:t>10/13/21</a:t>
             </a:fld>
             <a:endParaRPr lang="en-US"/>
           </a:p>
@@ -3888,13 +3933,13 @@
         </p:nvSpPr>
         <p:spPr>
           <a:xfrm>
-            <a:off x="838200" y="1825625"/>
-            <a:ext cx="6007575" cy="4351338"/>
+            <a:off x="450924" y="1484555"/>
+            <a:ext cx="6007575" cy="4713923"/>
           </a:xfrm>
         </p:spPr>
         <p:txBody>
           <a:bodyPr>
-            <a:normAutofit fontScale="92500" lnSpcReduction="20000"/>
+            <a:normAutofit fontScale="85000" lnSpcReduction="20000"/>
           </a:bodyPr>
           <a:lstStyle/>
           <a:p>
@@ -3974,22 +4019,13 @@
             </a:r>
           </a:p>
           <a:p>
+            <a:r>
+              <a:rPr lang="en-US" dirty="0"/>
+              <a:t>Come up with a method to identify introgression signal:</a:t>
+            </a:r>
+          </a:p>
+          <a:p>
             <a:pPr lvl="1"/>
-            <a:r>
-              <a:rPr lang="en-US" dirty="0"/>
-              <a:t>Come up with a method to identify </a:t>
-            </a:r>
-            <a:r>
-              <a:rPr lang="en-US" dirty="0" err="1"/>
-              <a:t>introgressed</a:t>
-            </a:r>
-            <a:r>
-              <a:rPr lang="en-US" dirty="0"/>
-              <a:t> region – not sure what this is at this time</a:t>
-            </a:r>
-          </a:p>
-          <a:p>
-            <a:pPr lvl="2"/>
             <a:r>
               <a:rPr lang="en-US" dirty="0"/>
               <a:t>A possible step: Combine </a:t>
@@ -4009,6 +4045,37 @@
             <a:r>
               <a:rPr lang="en-US" dirty="0"/>
               <a:t> from other lines to determine difference in representation??</a:t>
+            </a:r>
+          </a:p>
+          <a:p>
+            <a:pPr lvl="1"/>
+            <a:r>
+              <a:rPr lang="en-US" dirty="0"/>
+              <a:t>Generate </a:t>
+            </a:r>
+            <a:r>
+              <a:rPr lang="en-US" dirty="0" err="1"/>
+              <a:t>kmer</a:t>
+            </a:r>
+            <a:r>
+              <a:rPr lang="en-US" dirty="0"/>
+              <a:t> frequencies for population, then ask if </a:t>
+            </a:r>
+            <a:r>
+              <a:rPr lang="en-US" dirty="0" err="1"/>
+              <a:t>kmers</a:t>
+            </a:r>
+            <a:r>
+              <a:rPr lang="en-US" dirty="0"/>
+              <a:t> from the known </a:t>
+            </a:r>
+            <a:r>
+              <a:rPr lang="en-US" dirty="0" err="1"/>
+              <a:t>pimpinelliform</a:t>
+            </a:r>
+            <a:r>
+              <a:rPr lang="en-US" dirty="0"/>
+              <a:t> introgression are present in the matrix at the expected freq.</a:t>
             </a:r>
           </a:p>
           <a:p>
@@ -4043,8 +4110,8 @@
         </p:blipFill>
         <p:spPr>
           <a:xfrm>
-            <a:off x="6910958" y="2099457"/>
-            <a:ext cx="5114786" cy="2516552"/>
+            <a:off x="6338334" y="1690688"/>
+            <a:ext cx="5945593" cy="2925321"/>
           </a:xfrm>
           <a:prstGeom prst="rect">
             <a:avLst/>
@@ -4065,7 +4132,7 @@
         </p:nvSpPr>
         <p:spPr>
           <a:xfrm>
-            <a:off x="7271192" y="4826272"/>
+            <a:off x="7368011" y="4822142"/>
             <a:ext cx="4694246" cy="646331"/>
           </a:xfrm>
           <a:prstGeom prst="rect">
